--- a/NBA Data Science Project.pptx
+++ b/NBA Data Science Project.pptx
@@ -209,7 +209,7 @@
           <a:p>
             <a:fld id="{C4B1269B-25A8-47BF-BFEA-26E1CC603CF3}" type="datetimeFigureOut">
               <a:rPr lang="en-US" smtClean="0"/>
-              <a:t>11/16/2022</a:t>
+              <a:t>11/17/2022</a:t>
             </a:fld>
             <a:endParaRPr lang="en-US"/>
           </a:p>
@@ -1433,7 +1433,7 @@
           <a:p>
             <a:fld id="{276D79ED-3FA7-4EF8-964B-EB8BCFAB02F8}" type="datetimeFigureOut">
               <a:rPr lang="en-US" smtClean="0"/>
-              <a:t>11/16/2022</a:t>
+              <a:t>11/17/2022</a:t>
             </a:fld>
             <a:endParaRPr lang="en-US"/>
           </a:p>
@@ -1611,7 +1611,7 @@
           <a:p>
             <a:fld id="{276D79ED-3FA7-4EF8-964B-EB8BCFAB02F8}" type="datetimeFigureOut">
               <a:rPr lang="en-US" smtClean="0"/>
-              <a:t>11/16/2022</a:t>
+              <a:t>11/17/2022</a:t>
             </a:fld>
             <a:endParaRPr lang="en-US"/>
           </a:p>
@@ -1857,7 +1857,7 @@
           <a:p>
             <a:fld id="{276D79ED-3FA7-4EF8-964B-EB8BCFAB02F8}" type="datetimeFigureOut">
               <a:rPr lang="en-US" smtClean="0"/>
-              <a:t>11/16/2022</a:t>
+              <a:t>11/17/2022</a:t>
             </a:fld>
             <a:endParaRPr lang="en-US"/>
           </a:p>
@@ -2088,7 +2088,7 @@
           <a:p>
             <a:fld id="{276D79ED-3FA7-4EF8-964B-EB8BCFAB02F8}" type="datetimeFigureOut">
               <a:rPr lang="en-US" smtClean="0"/>
-              <a:t>11/16/2022</a:t>
+              <a:t>11/17/2022</a:t>
             </a:fld>
             <a:endParaRPr lang="en-US"/>
           </a:p>
@@ -2452,7 +2452,7 @@
           <a:p>
             <a:fld id="{276D79ED-3FA7-4EF8-964B-EB8BCFAB02F8}" type="datetimeFigureOut">
               <a:rPr lang="en-US" smtClean="0"/>
-              <a:t>11/16/2022</a:t>
+              <a:t>11/17/2022</a:t>
             </a:fld>
             <a:endParaRPr lang="en-US"/>
           </a:p>
@@ -2569,7 +2569,7 @@
           <a:p>
             <a:fld id="{276D79ED-3FA7-4EF8-964B-EB8BCFAB02F8}" type="datetimeFigureOut">
               <a:rPr lang="en-US" smtClean="0"/>
-              <a:t>11/16/2022</a:t>
+              <a:t>11/17/2022</a:t>
             </a:fld>
             <a:endParaRPr lang="en-US"/>
           </a:p>
@@ -2664,7 +2664,7 @@
           <a:p>
             <a:fld id="{276D79ED-3FA7-4EF8-964B-EB8BCFAB02F8}" type="datetimeFigureOut">
               <a:rPr lang="en-US" smtClean="0"/>
-              <a:t>11/16/2022</a:t>
+              <a:t>11/17/2022</a:t>
             </a:fld>
             <a:endParaRPr lang="en-US"/>
           </a:p>
@@ -2940,7 +2940,7 @@
           <a:p>
             <a:fld id="{276D79ED-3FA7-4EF8-964B-EB8BCFAB02F8}" type="datetimeFigureOut">
               <a:rPr lang="en-US" smtClean="0"/>
-              <a:t>11/16/2022</a:t>
+              <a:t>11/17/2022</a:t>
             </a:fld>
             <a:endParaRPr lang="en-US"/>
           </a:p>
@@ -3196,7 +3196,7 @@
           <a:p>
             <a:fld id="{276D79ED-3FA7-4EF8-964B-EB8BCFAB02F8}" type="datetimeFigureOut">
               <a:rPr lang="en-US" smtClean="0"/>
-              <a:t>11/16/2022</a:t>
+              <a:t>11/17/2022</a:t>
             </a:fld>
             <a:endParaRPr lang="en-US"/>
           </a:p>
@@ -3415,7 +3415,7 @@
             <a:fld id="{276D79ED-3FA7-4EF8-964B-EB8BCFAB02F8}" type="datetimeFigureOut">
               <a:rPr lang="en-US" smtClean="0"/>
               <a:pPr/>
-              <a:t>11/16/2022</a:t>
+              <a:t>11/17/2022</a:t>
             </a:fld>
             <a:endParaRPr lang="en-US"/>
           </a:p>
@@ -4707,8 +4707,8 @@
           </a:p>
         </p:txBody>
       </p:sp>
-      <mc:AlternateContent xmlns:mc="http://schemas.openxmlformats.org/markup-compatibility/2006">
-        <mc:Choice xmlns:a14="http://schemas.microsoft.com/office/drawing/2010/main" Requires="a14">
+      <mc:AlternateContent xmlns:mc="http://schemas.openxmlformats.org/markup-compatibility/2006" xmlns:a14="http://schemas.microsoft.com/office/drawing/2010/main">
+        <mc:Choice Requires="a14">
           <p:sp>
             <p:nvSpPr>
               <p:cNvPr id="8" name="TextBox 7">
@@ -4737,6 +4737,7 @@
               </a:bodyPr>
               <a:lstStyle/>
               <a:p>
+                <a:pPr/>
                 <a14:m>
                   <m:oMathPara xmlns:m="http://schemas.openxmlformats.org/officeDocument/2006/math">
                     <m:oMathParaPr>
@@ -4757,7 +4758,7 @@
             </p:txBody>
           </p:sp>
         </mc:Choice>
-        <mc:Fallback>
+        <mc:Fallback xmlns="">
           <p:sp>
             <p:nvSpPr>
               <p:cNvPr id="8" name="TextBox 7">
@@ -4802,6 +4803,217 @@
           </p:sp>
         </mc:Fallback>
       </mc:AlternateContent>
+      <p:sp>
+        <p:nvSpPr>
+          <p:cNvPr id="4" name="Content Placeholder 5">
+            <a:extLst>
+              <a:ext uri="{FF2B5EF4-FFF2-40B4-BE49-F238E27FC236}">
+                <a16:creationId xmlns:a16="http://schemas.microsoft.com/office/drawing/2014/main" id="{63C8347A-23AF-B0C4-2CEC-E90472184467}"/>
+              </a:ext>
+            </a:extLst>
+          </p:cNvPr>
+          <p:cNvSpPr txBox="1">
+            <a:spLocks/>
+          </p:cNvSpPr>
+          <p:nvPr/>
+        </p:nvSpPr>
+        <p:spPr>
+          <a:xfrm>
+            <a:off x="2558790" y="4856274"/>
+            <a:ext cx="4315968" cy="1325563"/>
+          </a:xfrm>
+          <a:prstGeom prst="rect">
+            <a:avLst/>
+          </a:prstGeom>
+        </p:spPr>
+        <p:txBody>
+          <a:bodyPr vert="horz" lIns="91440" tIns="45720" rIns="91440" bIns="45720" rtlCol="0">
+            <a:normAutofit/>
+          </a:bodyPr>
+          <a:lstStyle>
+            <a:lvl1pPr marL="228600" indent="-228600" algn="l" defTabSz="914400" rtl="0" eaLnBrk="1" latinLnBrk="0" hangingPunct="1">
+              <a:lnSpc>
+                <a:spcPct val="90000"/>
+              </a:lnSpc>
+              <a:spcBef>
+                <a:spcPts val="1000"/>
+              </a:spcBef>
+              <a:buFont typeface="Arial" panose="020B0604020202020204" pitchFamily="34" charset="0"/>
+              <a:buChar char="•"/>
+              <a:defRPr sz="2800" kern="1200">
+                <a:solidFill>
+                  <a:schemeClr val="tx1"/>
+                </a:solidFill>
+                <a:latin typeface="+mn-lt"/>
+                <a:ea typeface="+mn-ea"/>
+                <a:cs typeface="+mn-cs"/>
+              </a:defRPr>
+            </a:lvl1pPr>
+            <a:lvl2pPr marL="685800" indent="-228600" algn="l" defTabSz="914400" rtl="0" eaLnBrk="1" latinLnBrk="0" hangingPunct="1">
+              <a:lnSpc>
+                <a:spcPct val="90000"/>
+              </a:lnSpc>
+              <a:spcBef>
+                <a:spcPts val="500"/>
+              </a:spcBef>
+              <a:buFont typeface="Arial" panose="020B0604020202020204" pitchFamily="34" charset="0"/>
+              <a:buChar char="•"/>
+              <a:defRPr sz="2400" kern="1200">
+                <a:solidFill>
+                  <a:schemeClr val="tx1"/>
+                </a:solidFill>
+                <a:latin typeface="+mn-lt"/>
+                <a:ea typeface="+mn-ea"/>
+                <a:cs typeface="+mn-cs"/>
+              </a:defRPr>
+            </a:lvl2pPr>
+            <a:lvl3pPr marL="1143000" indent="-228600" algn="l" defTabSz="914400" rtl="0" eaLnBrk="1" latinLnBrk="0" hangingPunct="1">
+              <a:lnSpc>
+                <a:spcPct val="90000"/>
+              </a:lnSpc>
+              <a:spcBef>
+                <a:spcPts val="500"/>
+              </a:spcBef>
+              <a:buFont typeface="Arial" panose="020B0604020202020204" pitchFamily="34" charset="0"/>
+              <a:buChar char="•"/>
+              <a:defRPr sz="2000" kern="1200">
+                <a:solidFill>
+                  <a:schemeClr val="tx1"/>
+                </a:solidFill>
+                <a:latin typeface="+mn-lt"/>
+                <a:ea typeface="+mn-ea"/>
+                <a:cs typeface="+mn-cs"/>
+              </a:defRPr>
+            </a:lvl3pPr>
+            <a:lvl4pPr marL="1600200" indent="-228600" algn="l" defTabSz="914400" rtl="0" eaLnBrk="1" latinLnBrk="0" hangingPunct="1">
+              <a:lnSpc>
+                <a:spcPct val="90000"/>
+              </a:lnSpc>
+              <a:spcBef>
+                <a:spcPts val="500"/>
+              </a:spcBef>
+              <a:buFont typeface="Arial" panose="020B0604020202020204" pitchFamily="34" charset="0"/>
+              <a:buChar char="•"/>
+              <a:defRPr sz="1800" kern="1200">
+                <a:solidFill>
+                  <a:schemeClr val="tx1"/>
+                </a:solidFill>
+                <a:latin typeface="+mn-lt"/>
+                <a:ea typeface="+mn-ea"/>
+                <a:cs typeface="+mn-cs"/>
+              </a:defRPr>
+            </a:lvl4pPr>
+            <a:lvl5pPr marL="2057400" indent="-228600" algn="l" defTabSz="914400" rtl="0" eaLnBrk="1" latinLnBrk="0" hangingPunct="1">
+              <a:lnSpc>
+                <a:spcPct val="90000"/>
+              </a:lnSpc>
+              <a:spcBef>
+                <a:spcPts val="500"/>
+              </a:spcBef>
+              <a:buFont typeface="Arial" panose="020B0604020202020204" pitchFamily="34" charset="0"/>
+              <a:buChar char="•"/>
+              <a:defRPr sz="1800" kern="1200">
+                <a:solidFill>
+                  <a:schemeClr val="tx1"/>
+                </a:solidFill>
+                <a:latin typeface="+mn-lt"/>
+                <a:ea typeface="+mn-ea"/>
+                <a:cs typeface="+mn-cs"/>
+              </a:defRPr>
+            </a:lvl5pPr>
+            <a:lvl6pPr marL="2514600" indent="-228600" algn="l" defTabSz="914400" rtl="0" eaLnBrk="1" latinLnBrk="0" hangingPunct="1">
+              <a:lnSpc>
+                <a:spcPct val="90000"/>
+              </a:lnSpc>
+              <a:spcBef>
+                <a:spcPts val="500"/>
+              </a:spcBef>
+              <a:buFont typeface="Arial" panose="020B0604020202020204" pitchFamily="34" charset="0"/>
+              <a:buChar char="•"/>
+              <a:defRPr sz="1800" kern="1200">
+                <a:solidFill>
+                  <a:schemeClr val="tx1"/>
+                </a:solidFill>
+                <a:latin typeface="+mn-lt"/>
+                <a:ea typeface="+mn-ea"/>
+                <a:cs typeface="+mn-cs"/>
+              </a:defRPr>
+            </a:lvl6pPr>
+            <a:lvl7pPr marL="2971800" indent="-228600" algn="l" defTabSz="914400" rtl="0" eaLnBrk="1" latinLnBrk="0" hangingPunct="1">
+              <a:lnSpc>
+                <a:spcPct val="90000"/>
+              </a:lnSpc>
+              <a:spcBef>
+                <a:spcPts val="500"/>
+              </a:spcBef>
+              <a:buFont typeface="Arial" panose="020B0604020202020204" pitchFamily="34" charset="0"/>
+              <a:buChar char="•"/>
+              <a:defRPr sz="1800" kern="1200">
+                <a:solidFill>
+                  <a:schemeClr val="tx1"/>
+                </a:solidFill>
+                <a:latin typeface="+mn-lt"/>
+                <a:ea typeface="+mn-ea"/>
+                <a:cs typeface="+mn-cs"/>
+              </a:defRPr>
+            </a:lvl7pPr>
+            <a:lvl8pPr marL="3429000" indent="-228600" algn="l" defTabSz="914400" rtl="0" eaLnBrk="1" latinLnBrk="0" hangingPunct="1">
+              <a:lnSpc>
+                <a:spcPct val="90000"/>
+              </a:lnSpc>
+              <a:spcBef>
+                <a:spcPts val="500"/>
+              </a:spcBef>
+              <a:buFont typeface="Arial" panose="020B0604020202020204" pitchFamily="34" charset="0"/>
+              <a:buChar char="•"/>
+              <a:defRPr sz="1800" kern="1200">
+                <a:solidFill>
+                  <a:schemeClr val="tx1"/>
+                </a:solidFill>
+                <a:latin typeface="+mn-lt"/>
+                <a:ea typeface="+mn-ea"/>
+                <a:cs typeface="+mn-cs"/>
+              </a:defRPr>
+            </a:lvl8pPr>
+            <a:lvl9pPr marL="3886200" indent="-228600" algn="l" defTabSz="914400" rtl="0" eaLnBrk="1" latinLnBrk="0" hangingPunct="1">
+              <a:lnSpc>
+                <a:spcPct val="90000"/>
+              </a:lnSpc>
+              <a:spcBef>
+                <a:spcPts val="500"/>
+              </a:spcBef>
+              <a:buFont typeface="Arial" panose="020B0604020202020204" pitchFamily="34" charset="0"/>
+              <a:buChar char="•"/>
+              <a:defRPr sz="1800" kern="1200">
+                <a:solidFill>
+                  <a:schemeClr val="tx1"/>
+                </a:solidFill>
+                <a:latin typeface="+mn-lt"/>
+                <a:ea typeface="+mn-ea"/>
+                <a:cs typeface="+mn-cs"/>
+              </a:defRPr>
+            </a:lvl9pPr>
+          </a:lstStyle>
+          <a:p>
+            <a:pPr marL="457200" lvl="1" indent="0" algn="ctr">
+              <a:buNone/>
+            </a:pPr>
+            <a:r>
+              <a:rPr lang="en-US" dirty="0"/>
+              <a:t>Points/Efficiency </a:t>
+            </a:r>
+            <a:r>
+              <a:rPr lang="en-US" dirty="0">
+                <a:solidFill>
+                  <a:srgbClr val="202124"/>
+                </a:solidFill>
+                <a:latin typeface="Roboto" panose="02000000000000000000" pitchFamily="2" charset="0"/>
+              </a:rPr>
+              <a:t>≠ Value in NBA</a:t>
+            </a:r>
+          </a:p>
+        </p:txBody>
+      </p:sp>
     </p:spTree>
     <p:extLst>
       <p:ext uri="{BB962C8B-B14F-4D97-AF65-F5344CB8AC3E}">
@@ -5072,6 +5284,109 @@
                       </p:childTnLst>
                     </p:cTn>
                   </p:par>
+                  <p:par>
+                    <p:cTn id="17" fill="hold">
+                      <p:stCondLst>
+                        <p:cond delay="indefinite"/>
+                      </p:stCondLst>
+                      <p:childTnLst>
+                        <p:par>
+                          <p:cTn id="18" fill="hold">
+                            <p:stCondLst>
+                              <p:cond delay="0"/>
+                            </p:stCondLst>
+                            <p:childTnLst>
+                              <p:par>
+                                <p:cTn id="19" presetID="2" presetClass="entr" presetSubtype="4" fill="hold" grpId="0" nodeType="clickEffect">
+                                  <p:stCondLst>
+                                    <p:cond delay="0"/>
+                                  </p:stCondLst>
+                                  <p:childTnLst>
+                                    <p:set>
+                                      <p:cBhvr>
+                                        <p:cTn id="20" dur="1" fill="hold">
+                                          <p:stCondLst>
+                                            <p:cond delay="0"/>
+                                          </p:stCondLst>
+                                        </p:cTn>
+                                        <p:tgtEl>
+                                          <p:spTgt spid="4">
+                                            <p:txEl>
+                                              <p:pRg st="0" end="0"/>
+                                            </p:txEl>
+                                          </p:spTgt>
+                                        </p:tgtEl>
+                                        <p:attrNameLst>
+                                          <p:attrName>style.visibility</p:attrName>
+                                        </p:attrNameLst>
+                                      </p:cBhvr>
+                                      <p:to>
+                                        <p:strVal val="visible"/>
+                                      </p:to>
+                                    </p:set>
+                                    <p:anim calcmode="lin" valueType="num">
+                                      <p:cBhvr additive="base">
+                                        <p:cTn id="21" dur="500" fill="hold"/>
+                                        <p:tgtEl>
+                                          <p:spTgt spid="4">
+                                            <p:txEl>
+                                              <p:pRg st="0" end="0"/>
+                                            </p:txEl>
+                                          </p:spTgt>
+                                        </p:tgtEl>
+                                        <p:attrNameLst>
+                                          <p:attrName>ppt_x</p:attrName>
+                                        </p:attrNameLst>
+                                      </p:cBhvr>
+                                      <p:tavLst>
+                                        <p:tav tm="0">
+                                          <p:val>
+                                            <p:strVal val="#ppt_x"/>
+                                          </p:val>
+                                        </p:tav>
+                                        <p:tav tm="100000">
+                                          <p:val>
+                                            <p:strVal val="#ppt_x"/>
+                                          </p:val>
+                                        </p:tav>
+                                      </p:tavLst>
+                                    </p:anim>
+                                    <p:anim calcmode="lin" valueType="num">
+                                      <p:cBhvr additive="base">
+                                        <p:cTn id="22" dur="500" fill="hold"/>
+                                        <p:tgtEl>
+                                          <p:spTgt spid="4">
+                                            <p:txEl>
+                                              <p:pRg st="0" end="0"/>
+                                            </p:txEl>
+                                          </p:spTgt>
+                                        </p:tgtEl>
+                                        <p:attrNameLst>
+                                          <p:attrName>ppt_y</p:attrName>
+                                        </p:attrNameLst>
+                                      </p:cBhvr>
+                                      <p:tavLst>
+                                        <p:tav tm="0">
+                                          <p:val>
+                                            <p:strVal val="1+#ppt_h/2"/>
+                                          </p:val>
+                                        </p:tav>
+                                        <p:tav tm="100000">
+                                          <p:val>
+                                            <p:strVal val="#ppt_y"/>
+                                          </p:val>
+                                        </p:tav>
+                                      </p:tavLst>
+                                    </p:anim>
+                                  </p:childTnLst>
+                                </p:cTn>
+                              </p:par>
+                            </p:childTnLst>
+                          </p:cTn>
+                        </p:par>
+                      </p:childTnLst>
+                    </p:cTn>
+                  </p:par>
                 </p:childTnLst>
               </p:cTn>
               <p:prevCondLst>
@@ -5097,6 +5412,7 @@
       <p:bldP spid="6" grpId="0" build="p"/>
       <p:bldP spid="7" grpId="0"/>
       <p:bldP spid="8" grpId="0"/>
+      <p:bldP spid="4" grpId="0" build="p"/>
     </p:bldLst>
   </p:timing>
 </p:sld>
@@ -5454,22 +5770,6 @@
             <a:r>
               <a:rPr lang="en-US" dirty="0"/>
               <a:t>Gather More Data</a:t>
-            </a:r>
-          </a:p>
-          <a:p>
-            <a:pPr lvl="1"/>
-            <a:r>
-              <a:rPr lang="en-US" dirty="0"/>
-              <a:t>Points/Efficiency </a:t>
-            </a:r>
-            <a:r>
-              <a:rPr lang="en-US" dirty="0">
-                <a:solidFill>
-                  <a:srgbClr val="202124"/>
-                </a:solidFill>
-                <a:latin typeface="Roboto" panose="02000000000000000000" pitchFamily="2" charset="0"/>
-              </a:rPr>
-              <a:t>≠ Value in NBA</a:t>
             </a:r>
           </a:p>
           <a:p>
